--- a/ACS/AC6/LucasKurata_AC06.pptx
+++ b/ACS/AC6/LucasKurata_AC06.pptx
@@ -247,7 +247,7 @@
           <a:p>
             <a:fld id="{92E422EF-B27F-4667-8CA7-4B1FA23F92F5}" type="datetimeFigureOut">
               <a:rPr lang="pt-BR" smtClean="0"/>
-              <a:t>13/05/2019</a:t>
+              <a:t>16/05/2019</a:t>
             </a:fld>
             <a:endParaRPr lang="pt-BR"/>
           </a:p>
@@ -415,7 +415,7 @@
           <a:p>
             <a:fld id="{92E422EF-B27F-4667-8CA7-4B1FA23F92F5}" type="datetimeFigureOut">
               <a:rPr lang="pt-BR" smtClean="0"/>
-              <a:t>13/05/2019</a:t>
+              <a:t>16/05/2019</a:t>
             </a:fld>
             <a:endParaRPr lang="pt-BR"/>
           </a:p>
@@ -593,7 +593,7 @@
           <a:p>
             <a:fld id="{92E422EF-B27F-4667-8CA7-4B1FA23F92F5}" type="datetimeFigureOut">
               <a:rPr lang="pt-BR" smtClean="0"/>
-              <a:t>13/05/2019</a:t>
+              <a:t>16/05/2019</a:t>
             </a:fld>
             <a:endParaRPr lang="pt-BR"/>
           </a:p>
@@ -761,7 +761,7 @@
           <a:p>
             <a:fld id="{92E422EF-B27F-4667-8CA7-4B1FA23F92F5}" type="datetimeFigureOut">
               <a:rPr lang="pt-BR" smtClean="0"/>
-              <a:t>13/05/2019</a:t>
+              <a:t>16/05/2019</a:t>
             </a:fld>
             <a:endParaRPr lang="pt-BR"/>
           </a:p>
@@ -1006,7 +1006,7 @@
           <a:p>
             <a:fld id="{92E422EF-B27F-4667-8CA7-4B1FA23F92F5}" type="datetimeFigureOut">
               <a:rPr lang="pt-BR" smtClean="0"/>
-              <a:t>13/05/2019</a:t>
+              <a:t>16/05/2019</a:t>
             </a:fld>
             <a:endParaRPr lang="pt-BR"/>
           </a:p>
@@ -1235,7 +1235,7 @@
           <a:p>
             <a:fld id="{92E422EF-B27F-4667-8CA7-4B1FA23F92F5}" type="datetimeFigureOut">
               <a:rPr lang="pt-BR" smtClean="0"/>
-              <a:t>13/05/2019</a:t>
+              <a:t>16/05/2019</a:t>
             </a:fld>
             <a:endParaRPr lang="pt-BR"/>
           </a:p>
@@ -1599,7 +1599,7 @@
           <a:p>
             <a:fld id="{92E422EF-B27F-4667-8CA7-4B1FA23F92F5}" type="datetimeFigureOut">
               <a:rPr lang="pt-BR" smtClean="0"/>
-              <a:t>13/05/2019</a:t>
+              <a:t>16/05/2019</a:t>
             </a:fld>
             <a:endParaRPr lang="pt-BR"/>
           </a:p>
@@ -1716,7 +1716,7 @@
           <a:p>
             <a:fld id="{92E422EF-B27F-4667-8CA7-4B1FA23F92F5}" type="datetimeFigureOut">
               <a:rPr lang="pt-BR" smtClean="0"/>
-              <a:t>13/05/2019</a:t>
+              <a:t>16/05/2019</a:t>
             </a:fld>
             <a:endParaRPr lang="pt-BR"/>
           </a:p>
@@ -1811,7 +1811,7 @@
           <a:p>
             <a:fld id="{92E422EF-B27F-4667-8CA7-4B1FA23F92F5}" type="datetimeFigureOut">
               <a:rPr lang="pt-BR" smtClean="0"/>
-              <a:t>13/05/2019</a:t>
+              <a:t>16/05/2019</a:t>
             </a:fld>
             <a:endParaRPr lang="pt-BR"/>
           </a:p>
@@ -2086,7 +2086,7 @@
           <a:p>
             <a:fld id="{92E422EF-B27F-4667-8CA7-4B1FA23F92F5}" type="datetimeFigureOut">
               <a:rPr lang="pt-BR" smtClean="0"/>
-              <a:t>13/05/2019</a:t>
+              <a:t>16/05/2019</a:t>
             </a:fld>
             <a:endParaRPr lang="pt-BR"/>
           </a:p>
@@ -2338,7 +2338,7 @@
           <a:p>
             <a:fld id="{92E422EF-B27F-4667-8CA7-4B1FA23F92F5}" type="datetimeFigureOut">
               <a:rPr lang="pt-BR" smtClean="0"/>
-              <a:t>13/05/2019</a:t>
+              <a:t>16/05/2019</a:t>
             </a:fld>
             <a:endParaRPr lang="pt-BR"/>
           </a:p>
@@ -2549,7 +2549,7 @@
           <a:p>
             <a:fld id="{92E422EF-B27F-4667-8CA7-4B1FA23F92F5}" type="datetimeFigureOut">
               <a:rPr lang="pt-BR" smtClean="0"/>
-              <a:t>13/05/2019</a:t>
+              <a:t>16/05/2019</a:t>
             </a:fld>
             <a:endParaRPr lang="pt-BR"/>
           </a:p>
@@ -3057,7 +3057,7 @@
           <p:cNvPr id="2" name="Título 1">
             <a:extLst>
               <a:ext uri="{FF2B5EF4-FFF2-40B4-BE49-F238E27FC236}">
-                <a16:creationId xmlns:a16="http://schemas.microsoft.com/office/drawing/2014/main" xmlns="" id="{41E35EBE-C448-4D39-83D1-DCD9B4281E8B}"/>
+                <a16:creationId xmlns="" xmlns:a16="http://schemas.microsoft.com/office/drawing/2014/main" id="{41E35EBE-C448-4D39-83D1-DCD9B4281E8B}"/>
               </a:ext>
             </a:extLst>
           </p:cNvPr>
@@ -3096,7 +3096,7 @@
       </p:sp>
       <p:pic>
         <p:nvPicPr>
-          <p:cNvPr id="10" name="Imagem 9"/>
+          <p:cNvPr id="3" name="Imagem 2"/>
           <p:cNvPicPr>
             <a:picLocks noChangeAspect="1"/>
           </p:cNvPicPr>
@@ -3110,8 +3110,8 @@
         </p:blipFill>
         <p:spPr>
           <a:xfrm>
-            <a:off x="838200" y="1488574"/>
-            <a:ext cx="10088759" cy="4736861"/>
+            <a:off x="704985" y="2125314"/>
+            <a:ext cx="10648815" cy="3098039"/>
           </a:xfrm>
           <a:prstGeom prst="rect">
             <a:avLst/>
@@ -3453,7 +3453,7 @@
           <p:cNvPr id="2" name="CaixaDeTexto 1">
             <a:extLst>
               <a:ext uri="{FF2B5EF4-FFF2-40B4-BE49-F238E27FC236}">
-                <a16:creationId xmlns:a16="http://schemas.microsoft.com/office/drawing/2014/main" xmlns="" id="{A6FC0499-E96B-4A57-A7DB-FD3AD7FFD1ED}"/>
+                <a16:creationId xmlns="" xmlns:a16="http://schemas.microsoft.com/office/drawing/2014/main" id="{A6FC0499-E96B-4A57-A7DB-FD3AD7FFD1ED}"/>
               </a:ext>
             </a:extLst>
           </p:cNvPr>
@@ -3491,7 +3491,7 @@
           <p:cNvPr id="33" name="CaixaDeTexto 32">
             <a:extLst>
               <a:ext uri="{FF2B5EF4-FFF2-40B4-BE49-F238E27FC236}">
-                <a16:creationId xmlns:a16="http://schemas.microsoft.com/office/drawing/2014/main" xmlns="" id="{9027796C-0961-46D1-8725-3389D2548B9E}"/>
+                <a16:creationId xmlns="" xmlns:a16="http://schemas.microsoft.com/office/drawing/2014/main" id="{9027796C-0961-46D1-8725-3389D2548B9E}"/>
               </a:ext>
             </a:extLst>
           </p:cNvPr>
@@ -3562,7 +3562,7 @@
           <p:cNvPr id="34" name="CaixaDeTexto 33">
             <a:extLst>
               <a:ext uri="{FF2B5EF4-FFF2-40B4-BE49-F238E27FC236}">
-                <a16:creationId xmlns:a16="http://schemas.microsoft.com/office/drawing/2014/main" xmlns="" id="{282A129C-45E2-42BD-ABC7-4E156E9B89CA}"/>
+                <a16:creationId xmlns="" xmlns:a16="http://schemas.microsoft.com/office/drawing/2014/main" id="{282A129C-45E2-42BD-ABC7-4E156E9B89CA}"/>
               </a:ext>
             </a:extLst>
           </p:cNvPr>
@@ -3610,11 +3610,7 @@
             </a:r>
             <a:r>
               <a:rPr lang="pt-BR" dirty="0" smtClean="0"/>
-              <a:t>entrega pedido para cliente</a:t>
-            </a:r>
-            <a:r>
-              <a:rPr lang="pt-BR" dirty="0" smtClean="0"/>
-              <a:t>;</a:t>
+              <a:t>entrega pedido para cliente;</a:t>
             </a:r>
           </a:p>
           <a:p>
@@ -3632,11 +3628,7 @@
             </a:r>
             <a:r>
               <a:rPr lang="pt-BR" dirty="0" smtClean="0"/>
-              <a:t>com baixa no </a:t>
-            </a:r>
-            <a:r>
-              <a:rPr lang="pt-BR" dirty="0" smtClean="0"/>
-              <a:t>Pedido;</a:t>
+              <a:t>com baixa no Pedido;</a:t>
             </a:r>
             <a:endParaRPr lang="pt-BR" dirty="0"/>
           </a:p>
@@ -3650,7 +3642,7 @@
           <p:cNvPr id="35" name="Título 1">
             <a:extLst>
               <a:ext uri="{FF2B5EF4-FFF2-40B4-BE49-F238E27FC236}">
-                <a16:creationId xmlns:a16="http://schemas.microsoft.com/office/drawing/2014/main" xmlns="" id="{77CE2ED0-3A26-43BD-8017-2D08C9C12598}"/>
+                <a16:creationId xmlns="" xmlns:a16="http://schemas.microsoft.com/office/drawing/2014/main" id="{77CE2ED0-3A26-43BD-8017-2D08C9C12598}"/>
               </a:ext>
             </a:extLst>
           </p:cNvPr>
@@ -4034,7 +4026,7 @@
           <p:cNvPr id="8" name="Imagem 7">
             <a:extLst>
               <a:ext uri="{FF2B5EF4-FFF2-40B4-BE49-F238E27FC236}">
-                <a16:creationId xmlns:a16="http://schemas.microsoft.com/office/drawing/2014/main" xmlns="" id="{6D1FB8D8-EAA5-44F2-99FE-95BE44BAB74C}"/>
+                <a16:creationId xmlns="" xmlns:a16="http://schemas.microsoft.com/office/drawing/2014/main" id="{6D1FB8D8-EAA5-44F2-99FE-95BE44BAB74C}"/>
               </a:ext>
             </a:extLst>
           </p:cNvPr>
@@ -4123,14 +4115,14 @@
                 <a:gridCol w="4064000">
                   <a:extLst>
                     <a:ext uri="{9D8B030D-6E8A-4147-A177-3AD203B41FA5}">
-                      <a16:colId xmlns:a16="http://schemas.microsoft.com/office/drawing/2014/main" xmlns="" val="20000"/>
+                      <a16:colId xmlns="" xmlns:a16="http://schemas.microsoft.com/office/drawing/2014/main" val="20000"/>
                     </a:ext>
                   </a:extLst>
                 </a:gridCol>
                 <a:gridCol w="4064000">
                   <a:extLst>
                     <a:ext uri="{9D8B030D-6E8A-4147-A177-3AD203B41FA5}">
-                      <a16:colId xmlns:a16="http://schemas.microsoft.com/office/drawing/2014/main" xmlns="" val="20001"/>
+                      <a16:colId xmlns="" xmlns:a16="http://schemas.microsoft.com/office/drawing/2014/main" val="20001"/>
                     </a:ext>
                   </a:extLst>
                 </a:gridCol>
@@ -4165,7 +4157,7 @@
                 </a:tc>
                 <a:extLst>
                   <a:ext uri="{0D108BD9-81ED-4DB2-BD59-A6C34878D82A}">
-                    <a16:rowId xmlns:a16="http://schemas.microsoft.com/office/drawing/2014/main" xmlns="" val="10000"/>
+                    <a16:rowId xmlns="" xmlns:a16="http://schemas.microsoft.com/office/drawing/2014/main" val="10000"/>
                   </a:ext>
                 </a:extLst>
               </a:tr>
@@ -4212,7 +4204,7 @@
                 </a:tc>
                 <a:extLst>
                   <a:ext uri="{0D108BD9-81ED-4DB2-BD59-A6C34878D82A}">
-                    <a16:rowId xmlns:a16="http://schemas.microsoft.com/office/drawing/2014/main" xmlns="" val="10001"/>
+                    <a16:rowId xmlns="" xmlns:a16="http://schemas.microsoft.com/office/drawing/2014/main" val="10001"/>
                   </a:ext>
                 </a:extLst>
               </a:tr>
@@ -4267,7 +4259,7 @@
                 </a:tc>
                 <a:extLst>
                   <a:ext uri="{0D108BD9-81ED-4DB2-BD59-A6C34878D82A}">
-                    <a16:rowId xmlns:a16="http://schemas.microsoft.com/office/drawing/2014/main" xmlns="" val="10002"/>
+                    <a16:rowId xmlns="" xmlns:a16="http://schemas.microsoft.com/office/drawing/2014/main" val="10002"/>
                   </a:ext>
                 </a:extLst>
               </a:tr>
@@ -4365,14 +4357,14 @@
                 <a:gridCol w="4064000">
                   <a:extLst>
                     <a:ext uri="{9D8B030D-6E8A-4147-A177-3AD203B41FA5}">
-                      <a16:colId xmlns:a16="http://schemas.microsoft.com/office/drawing/2014/main" xmlns="" val="20000"/>
+                      <a16:colId xmlns="" xmlns:a16="http://schemas.microsoft.com/office/drawing/2014/main" val="20000"/>
                     </a:ext>
                   </a:extLst>
                 </a:gridCol>
                 <a:gridCol w="4064000">
                   <a:extLst>
                     <a:ext uri="{9D8B030D-6E8A-4147-A177-3AD203B41FA5}">
-                      <a16:colId xmlns:a16="http://schemas.microsoft.com/office/drawing/2014/main" xmlns="" val="20001"/>
+                      <a16:colId xmlns="" xmlns:a16="http://schemas.microsoft.com/office/drawing/2014/main" val="20001"/>
                     </a:ext>
                   </a:extLst>
                 </a:gridCol>
@@ -4406,7 +4398,7 @@
                 </a:tc>
                 <a:extLst>
                   <a:ext uri="{0D108BD9-81ED-4DB2-BD59-A6C34878D82A}">
-                    <a16:rowId xmlns:a16="http://schemas.microsoft.com/office/drawing/2014/main" xmlns="" val="10000"/>
+                    <a16:rowId xmlns="" xmlns:a16="http://schemas.microsoft.com/office/drawing/2014/main" val="10000"/>
                   </a:ext>
                 </a:extLst>
               </a:tr>
@@ -4439,7 +4431,7 @@
                 </a:tc>
                 <a:extLst>
                   <a:ext uri="{0D108BD9-81ED-4DB2-BD59-A6C34878D82A}">
-                    <a16:rowId xmlns:a16="http://schemas.microsoft.com/office/drawing/2014/main" xmlns="" val="10001"/>
+                    <a16:rowId xmlns="" xmlns:a16="http://schemas.microsoft.com/office/drawing/2014/main" val="10001"/>
                   </a:ext>
                 </a:extLst>
               </a:tr>
@@ -4472,7 +4464,7 @@
                 </a:tc>
                 <a:extLst>
                   <a:ext uri="{0D108BD9-81ED-4DB2-BD59-A6C34878D82A}">
-                    <a16:rowId xmlns:a16="http://schemas.microsoft.com/office/drawing/2014/main" xmlns="" val="10002"/>
+                    <a16:rowId xmlns="" xmlns:a16="http://schemas.microsoft.com/office/drawing/2014/main" val="10002"/>
                   </a:ext>
                 </a:extLst>
               </a:tr>

--- a/ACS/AC6/LucasKurata_AC06.pptx
+++ b/ACS/AC6/LucasKurata_AC06.pptx
@@ -7,11 +7,12 @@
   <p:sldIdLst>
     <p:sldId id="256" r:id="rId2"/>
     <p:sldId id="259" r:id="rId3"/>
-    <p:sldId id="257" r:id="rId4"/>
-    <p:sldId id="263" r:id="rId5"/>
-    <p:sldId id="262" r:id="rId6"/>
-    <p:sldId id="260" r:id="rId7"/>
-    <p:sldId id="261" r:id="rId8"/>
+    <p:sldId id="264" r:id="rId4"/>
+    <p:sldId id="257" r:id="rId5"/>
+    <p:sldId id="263" r:id="rId6"/>
+    <p:sldId id="262" r:id="rId7"/>
+    <p:sldId id="260" r:id="rId8"/>
+    <p:sldId id="261" r:id="rId9"/>
   </p:sldIdLst>
   <p:sldSz cx="12192000" cy="6858000"/>
   <p:notesSz cx="6858000" cy="9144000"/>
@@ -3057,7 +3058,7 @@
           <p:cNvPr id="2" name="Título 1">
             <a:extLst>
               <a:ext uri="{FF2B5EF4-FFF2-40B4-BE49-F238E27FC236}">
-                <a16:creationId xmlns="" xmlns:a16="http://schemas.microsoft.com/office/drawing/2014/main" id="{41E35EBE-C448-4D39-83D1-DCD9B4281E8B}"/>
+                <a16:creationId xmlns:a16="http://schemas.microsoft.com/office/drawing/2014/main" xmlns="" id="{41E35EBE-C448-4D39-83D1-DCD9B4281E8B}"/>
               </a:ext>
             </a:extLst>
           </p:cNvPr>
@@ -3132,6 +3133,60 @@
 </file>
 
 <file path=ppt/slides/slide3.xml><?xml version="1.0" encoding="utf-8"?>
+<p:sld xmlns:a="http://schemas.openxmlformats.org/drawingml/2006/main" xmlns:r="http://schemas.openxmlformats.org/officeDocument/2006/relationships" xmlns:p="http://schemas.openxmlformats.org/presentationml/2006/main">
+  <p:cSld>
+    <p:spTree>
+      <p:nvGrpSpPr>
+        <p:cNvPr id="1" name=""/>
+        <p:cNvGrpSpPr/>
+        <p:nvPr/>
+      </p:nvGrpSpPr>
+      <p:grpSpPr>
+        <a:xfrm>
+          <a:off x="0" y="0"/>
+          <a:ext cx="0" cy="0"/>
+          <a:chOff x="0" y="0"/>
+          <a:chExt cx="0" cy="0"/>
+        </a:xfrm>
+      </p:grpSpPr>
+      <p:pic>
+        <p:nvPicPr>
+          <p:cNvPr id="3" name="Imagem 2"/>
+          <p:cNvPicPr>
+            <a:picLocks noChangeAspect="1"/>
+          </p:cNvPicPr>
+          <p:nvPr/>
+        </p:nvPicPr>
+        <p:blipFill>
+          <a:blip r:embed="rId2"/>
+          <a:stretch>
+            <a:fillRect/>
+          </a:stretch>
+        </p:blipFill>
+        <p:spPr>
+          <a:xfrm>
+            <a:off x="1621533" y="0"/>
+            <a:ext cx="8848725" cy="6858000"/>
+          </a:xfrm>
+          <a:prstGeom prst="rect">
+            <a:avLst/>
+          </a:prstGeom>
+        </p:spPr>
+      </p:pic>
+    </p:spTree>
+    <p:extLst>
+      <p:ext uri="{BB962C8B-B14F-4D97-AF65-F5344CB8AC3E}">
+        <p14:creationId xmlns:p14="http://schemas.microsoft.com/office/powerpoint/2010/main" val="1528290068"/>
+      </p:ext>
+    </p:extLst>
+  </p:cSld>
+  <p:clrMapOvr>
+    <a:masterClrMapping/>
+  </p:clrMapOvr>
+</p:sld>
+</file>
+
+<file path=ppt/slides/slide4.xml><?xml version="1.0" encoding="utf-8"?>
 <p:sld xmlns:a="http://schemas.openxmlformats.org/drawingml/2006/main" xmlns:r="http://schemas.openxmlformats.org/officeDocument/2006/relationships" xmlns:p="http://schemas.openxmlformats.org/presentationml/2006/main">
   <p:cSld>
     <p:spTree>
@@ -3453,7 +3508,7 @@
           <p:cNvPr id="2" name="CaixaDeTexto 1">
             <a:extLst>
               <a:ext uri="{FF2B5EF4-FFF2-40B4-BE49-F238E27FC236}">
-                <a16:creationId xmlns="" xmlns:a16="http://schemas.microsoft.com/office/drawing/2014/main" id="{A6FC0499-E96B-4A57-A7DB-FD3AD7FFD1ED}"/>
+                <a16:creationId xmlns:a16="http://schemas.microsoft.com/office/drawing/2014/main" xmlns="" id="{A6FC0499-E96B-4A57-A7DB-FD3AD7FFD1ED}"/>
               </a:ext>
             </a:extLst>
           </p:cNvPr>
@@ -3491,7 +3546,7 @@
           <p:cNvPr id="33" name="CaixaDeTexto 32">
             <a:extLst>
               <a:ext uri="{FF2B5EF4-FFF2-40B4-BE49-F238E27FC236}">
-                <a16:creationId xmlns="" xmlns:a16="http://schemas.microsoft.com/office/drawing/2014/main" id="{9027796C-0961-46D1-8725-3389D2548B9E}"/>
+                <a16:creationId xmlns:a16="http://schemas.microsoft.com/office/drawing/2014/main" xmlns="" id="{9027796C-0961-46D1-8725-3389D2548B9E}"/>
               </a:ext>
             </a:extLst>
           </p:cNvPr>
@@ -3562,7 +3617,7 @@
           <p:cNvPr id="34" name="CaixaDeTexto 33">
             <a:extLst>
               <a:ext uri="{FF2B5EF4-FFF2-40B4-BE49-F238E27FC236}">
-                <a16:creationId xmlns="" xmlns:a16="http://schemas.microsoft.com/office/drawing/2014/main" id="{282A129C-45E2-42BD-ABC7-4E156E9B89CA}"/>
+                <a16:creationId xmlns:a16="http://schemas.microsoft.com/office/drawing/2014/main" xmlns="" id="{282A129C-45E2-42BD-ABC7-4E156E9B89CA}"/>
               </a:ext>
             </a:extLst>
           </p:cNvPr>
@@ -3642,7 +3697,7 @@
           <p:cNvPr id="35" name="Título 1">
             <a:extLst>
               <a:ext uri="{FF2B5EF4-FFF2-40B4-BE49-F238E27FC236}">
-                <a16:creationId xmlns="" xmlns:a16="http://schemas.microsoft.com/office/drawing/2014/main" id="{77CE2ED0-3A26-43BD-8017-2D08C9C12598}"/>
+                <a16:creationId xmlns:a16="http://schemas.microsoft.com/office/drawing/2014/main" xmlns="" id="{77CE2ED0-3A26-43BD-8017-2D08C9C12598}"/>
               </a:ext>
             </a:extLst>
           </p:cNvPr>
@@ -3882,7 +3937,7 @@
 </p:sld>
 </file>
 
-<file path=ppt/slides/slide4.xml><?xml version="1.0" encoding="utf-8"?>
+<file path=ppt/slides/slide5.xml><?xml version="1.0" encoding="utf-8"?>
 <p:sld xmlns:a="http://schemas.openxmlformats.org/drawingml/2006/main" xmlns:r="http://schemas.openxmlformats.org/officeDocument/2006/relationships" xmlns:p="http://schemas.openxmlformats.org/presentationml/2006/main">
   <p:cSld>
     <p:spTree>
@@ -3968,7 +4023,7 @@
 </p:sld>
 </file>
 
-<file path=ppt/slides/slide5.xml><?xml version="1.0" encoding="utf-8"?>
+<file path=ppt/slides/slide6.xml><?xml version="1.0" encoding="utf-8"?>
 <p:sld xmlns:a="http://schemas.openxmlformats.org/drawingml/2006/main" xmlns:r="http://schemas.openxmlformats.org/officeDocument/2006/relationships" xmlns:p="http://schemas.openxmlformats.org/presentationml/2006/main">
   <p:cSld>
     <p:spTree>
@@ -4026,7 +4081,7 @@
           <p:cNvPr id="8" name="Imagem 7">
             <a:extLst>
               <a:ext uri="{FF2B5EF4-FFF2-40B4-BE49-F238E27FC236}">
-                <a16:creationId xmlns="" xmlns:a16="http://schemas.microsoft.com/office/drawing/2014/main" id="{6D1FB8D8-EAA5-44F2-99FE-95BE44BAB74C}"/>
+                <a16:creationId xmlns:a16="http://schemas.microsoft.com/office/drawing/2014/main" xmlns="" id="{6D1FB8D8-EAA5-44F2-99FE-95BE44BAB74C}"/>
               </a:ext>
             </a:extLst>
           </p:cNvPr>
@@ -4070,7 +4125,7 @@
 </p:sld>
 </file>
 
-<file path=ppt/slides/slide6.xml><?xml version="1.0" encoding="utf-8"?>
+<file path=ppt/slides/slide7.xml><?xml version="1.0" encoding="utf-8"?>
 <p:sld xmlns:a="http://schemas.openxmlformats.org/drawingml/2006/main" xmlns:r="http://schemas.openxmlformats.org/officeDocument/2006/relationships" xmlns:p="http://schemas.openxmlformats.org/presentationml/2006/main">
   <p:cSld>
     <p:spTree>
@@ -4115,14 +4170,14 @@
                 <a:gridCol w="4064000">
                   <a:extLst>
                     <a:ext uri="{9D8B030D-6E8A-4147-A177-3AD203B41FA5}">
-                      <a16:colId xmlns="" xmlns:a16="http://schemas.microsoft.com/office/drawing/2014/main" val="20000"/>
+                      <a16:colId xmlns:a16="http://schemas.microsoft.com/office/drawing/2014/main" xmlns="" val="20000"/>
                     </a:ext>
                   </a:extLst>
                 </a:gridCol>
                 <a:gridCol w="4064000">
                   <a:extLst>
                     <a:ext uri="{9D8B030D-6E8A-4147-A177-3AD203B41FA5}">
-                      <a16:colId xmlns="" xmlns:a16="http://schemas.microsoft.com/office/drawing/2014/main" val="20001"/>
+                      <a16:colId xmlns:a16="http://schemas.microsoft.com/office/drawing/2014/main" xmlns="" val="20001"/>
                     </a:ext>
                   </a:extLst>
                 </a:gridCol>
@@ -4157,7 +4212,7 @@
                 </a:tc>
                 <a:extLst>
                   <a:ext uri="{0D108BD9-81ED-4DB2-BD59-A6C34878D82A}">
-                    <a16:rowId xmlns="" xmlns:a16="http://schemas.microsoft.com/office/drawing/2014/main" val="10000"/>
+                    <a16:rowId xmlns:a16="http://schemas.microsoft.com/office/drawing/2014/main" xmlns="" val="10000"/>
                   </a:ext>
                 </a:extLst>
               </a:tr>
@@ -4204,7 +4259,7 @@
                 </a:tc>
                 <a:extLst>
                   <a:ext uri="{0D108BD9-81ED-4DB2-BD59-A6C34878D82A}">
-                    <a16:rowId xmlns="" xmlns:a16="http://schemas.microsoft.com/office/drawing/2014/main" val="10001"/>
+                    <a16:rowId xmlns:a16="http://schemas.microsoft.com/office/drawing/2014/main" xmlns="" val="10001"/>
                   </a:ext>
                 </a:extLst>
               </a:tr>
@@ -4259,7 +4314,7 @@
                 </a:tc>
                 <a:extLst>
                   <a:ext uri="{0D108BD9-81ED-4DB2-BD59-A6C34878D82A}">
-                    <a16:rowId xmlns="" xmlns:a16="http://schemas.microsoft.com/office/drawing/2014/main" val="10002"/>
+                    <a16:rowId xmlns:a16="http://schemas.microsoft.com/office/drawing/2014/main" xmlns="" val="10002"/>
                   </a:ext>
                 </a:extLst>
               </a:tr>
@@ -4312,7 +4367,7 @@
 </p:sld>
 </file>
 
-<file path=ppt/slides/slide7.xml><?xml version="1.0" encoding="utf-8"?>
+<file path=ppt/slides/slide8.xml><?xml version="1.0" encoding="utf-8"?>
 <p:sld xmlns:a="http://schemas.openxmlformats.org/drawingml/2006/main" xmlns:r="http://schemas.openxmlformats.org/officeDocument/2006/relationships" xmlns:p="http://schemas.openxmlformats.org/presentationml/2006/main">
   <p:cSld>
     <p:spTree>
@@ -4357,14 +4412,14 @@
                 <a:gridCol w="4064000">
                   <a:extLst>
                     <a:ext uri="{9D8B030D-6E8A-4147-A177-3AD203B41FA5}">
-                      <a16:colId xmlns="" xmlns:a16="http://schemas.microsoft.com/office/drawing/2014/main" val="20000"/>
+                      <a16:colId xmlns:a16="http://schemas.microsoft.com/office/drawing/2014/main" xmlns="" val="20000"/>
                     </a:ext>
                   </a:extLst>
                 </a:gridCol>
                 <a:gridCol w="4064000">
                   <a:extLst>
                     <a:ext uri="{9D8B030D-6E8A-4147-A177-3AD203B41FA5}">
-                      <a16:colId xmlns="" xmlns:a16="http://schemas.microsoft.com/office/drawing/2014/main" val="20001"/>
+                      <a16:colId xmlns:a16="http://schemas.microsoft.com/office/drawing/2014/main" xmlns="" val="20001"/>
                     </a:ext>
                   </a:extLst>
                 </a:gridCol>
@@ -4398,7 +4453,7 @@
                 </a:tc>
                 <a:extLst>
                   <a:ext uri="{0D108BD9-81ED-4DB2-BD59-A6C34878D82A}">
-                    <a16:rowId xmlns="" xmlns:a16="http://schemas.microsoft.com/office/drawing/2014/main" val="10000"/>
+                    <a16:rowId xmlns:a16="http://schemas.microsoft.com/office/drawing/2014/main" xmlns="" val="10000"/>
                   </a:ext>
                 </a:extLst>
               </a:tr>
@@ -4431,7 +4486,7 @@
                 </a:tc>
                 <a:extLst>
                   <a:ext uri="{0D108BD9-81ED-4DB2-BD59-A6C34878D82A}">
-                    <a16:rowId xmlns="" xmlns:a16="http://schemas.microsoft.com/office/drawing/2014/main" val="10001"/>
+                    <a16:rowId xmlns:a16="http://schemas.microsoft.com/office/drawing/2014/main" xmlns="" val="10001"/>
                   </a:ext>
                 </a:extLst>
               </a:tr>
@@ -4464,7 +4519,7 @@
                 </a:tc>
                 <a:extLst>
                   <a:ext uri="{0D108BD9-81ED-4DB2-BD59-A6C34878D82A}">
-                    <a16:rowId xmlns="" xmlns:a16="http://schemas.microsoft.com/office/drawing/2014/main" val="10002"/>
+                    <a16:rowId xmlns:a16="http://schemas.microsoft.com/office/drawing/2014/main" xmlns="" val="10002"/>
                   </a:ext>
                 </a:extLst>
               </a:tr>

--- a/ACS/AC6/LucasKurata_AC06.pptx
+++ b/ACS/AC6/LucasKurata_AC06.pptx
@@ -8,11 +8,10 @@
     <p:sldId id="256" r:id="rId2"/>
     <p:sldId id="259" r:id="rId3"/>
     <p:sldId id="264" r:id="rId4"/>
-    <p:sldId id="257" r:id="rId5"/>
-    <p:sldId id="263" r:id="rId6"/>
-    <p:sldId id="262" r:id="rId7"/>
-    <p:sldId id="260" r:id="rId8"/>
-    <p:sldId id="261" r:id="rId9"/>
+    <p:sldId id="263" r:id="rId5"/>
+    <p:sldId id="262" r:id="rId6"/>
+    <p:sldId id="260" r:id="rId7"/>
+    <p:sldId id="261" r:id="rId8"/>
   </p:sldIdLst>
   <p:sldSz cx="12192000" cy="6858000"/>
   <p:notesSz cx="6858000" cy="9144000"/>
@@ -248,7 +247,7 @@
           <a:p>
             <a:fld id="{92E422EF-B27F-4667-8CA7-4B1FA23F92F5}" type="datetimeFigureOut">
               <a:rPr lang="pt-BR" smtClean="0"/>
-              <a:t>16/05/2019</a:t>
+              <a:t>17/05/2019</a:t>
             </a:fld>
             <a:endParaRPr lang="pt-BR"/>
           </a:p>
@@ -416,7 +415,7 @@
           <a:p>
             <a:fld id="{92E422EF-B27F-4667-8CA7-4B1FA23F92F5}" type="datetimeFigureOut">
               <a:rPr lang="pt-BR" smtClean="0"/>
-              <a:t>16/05/2019</a:t>
+              <a:t>17/05/2019</a:t>
             </a:fld>
             <a:endParaRPr lang="pt-BR"/>
           </a:p>
@@ -594,7 +593,7 @@
           <a:p>
             <a:fld id="{92E422EF-B27F-4667-8CA7-4B1FA23F92F5}" type="datetimeFigureOut">
               <a:rPr lang="pt-BR" smtClean="0"/>
-              <a:t>16/05/2019</a:t>
+              <a:t>17/05/2019</a:t>
             </a:fld>
             <a:endParaRPr lang="pt-BR"/>
           </a:p>
@@ -762,7 +761,7 @@
           <a:p>
             <a:fld id="{92E422EF-B27F-4667-8CA7-4B1FA23F92F5}" type="datetimeFigureOut">
               <a:rPr lang="pt-BR" smtClean="0"/>
-              <a:t>16/05/2019</a:t>
+              <a:t>17/05/2019</a:t>
             </a:fld>
             <a:endParaRPr lang="pt-BR"/>
           </a:p>
@@ -1007,7 +1006,7 @@
           <a:p>
             <a:fld id="{92E422EF-B27F-4667-8CA7-4B1FA23F92F5}" type="datetimeFigureOut">
               <a:rPr lang="pt-BR" smtClean="0"/>
-              <a:t>16/05/2019</a:t>
+              <a:t>17/05/2019</a:t>
             </a:fld>
             <a:endParaRPr lang="pt-BR"/>
           </a:p>
@@ -1236,7 +1235,7 @@
           <a:p>
             <a:fld id="{92E422EF-B27F-4667-8CA7-4B1FA23F92F5}" type="datetimeFigureOut">
               <a:rPr lang="pt-BR" smtClean="0"/>
-              <a:t>16/05/2019</a:t>
+              <a:t>17/05/2019</a:t>
             </a:fld>
             <a:endParaRPr lang="pt-BR"/>
           </a:p>
@@ -1600,7 +1599,7 @@
           <a:p>
             <a:fld id="{92E422EF-B27F-4667-8CA7-4B1FA23F92F5}" type="datetimeFigureOut">
               <a:rPr lang="pt-BR" smtClean="0"/>
-              <a:t>16/05/2019</a:t>
+              <a:t>17/05/2019</a:t>
             </a:fld>
             <a:endParaRPr lang="pt-BR"/>
           </a:p>
@@ -1717,7 +1716,7 @@
           <a:p>
             <a:fld id="{92E422EF-B27F-4667-8CA7-4B1FA23F92F5}" type="datetimeFigureOut">
               <a:rPr lang="pt-BR" smtClean="0"/>
-              <a:t>16/05/2019</a:t>
+              <a:t>17/05/2019</a:t>
             </a:fld>
             <a:endParaRPr lang="pt-BR"/>
           </a:p>
@@ -1812,7 +1811,7 @@
           <a:p>
             <a:fld id="{92E422EF-B27F-4667-8CA7-4B1FA23F92F5}" type="datetimeFigureOut">
               <a:rPr lang="pt-BR" smtClean="0"/>
-              <a:t>16/05/2019</a:t>
+              <a:t>17/05/2019</a:t>
             </a:fld>
             <a:endParaRPr lang="pt-BR"/>
           </a:p>
@@ -2087,7 +2086,7 @@
           <a:p>
             <a:fld id="{92E422EF-B27F-4667-8CA7-4B1FA23F92F5}" type="datetimeFigureOut">
               <a:rPr lang="pt-BR" smtClean="0"/>
-              <a:t>16/05/2019</a:t>
+              <a:t>17/05/2019</a:t>
             </a:fld>
             <a:endParaRPr lang="pt-BR"/>
           </a:p>
@@ -2339,7 +2338,7 @@
           <a:p>
             <a:fld id="{92E422EF-B27F-4667-8CA7-4B1FA23F92F5}" type="datetimeFigureOut">
               <a:rPr lang="pt-BR" smtClean="0"/>
-              <a:t>16/05/2019</a:t>
+              <a:t>17/05/2019</a:t>
             </a:fld>
             <a:endParaRPr lang="pt-BR"/>
           </a:p>
@@ -2550,7 +2549,7 @@
           <a:p>
             <a:fld id="{92E422EF-B27F-4667-8CA7-4B1FA23F92F5}" type="datetimeFigureOut">
               <a:rPr lang="pt-BR" smtClean="0"/>
-              <a:t>16/05/2019</a:t>
+              <a:t>17/05/2019</a:t>
             </a:fld>
             <a:endParaRPr lang="pt-BR"/>
           </a:p>
@@ -3058,7 +3057,7 @@
           <p:cNvPr id="2" name="Título 1">
             <a:extLst>
               <a:ext uri="{FF2B5EF4-FFF2-40B4-BE49-F238E27FC236}">
-                <a16:creationId xmlns:a16="http://schemas.microsoft.com/office/drawing/2014/main" xmlns="" id="{41E35EBE-C448-4D39-83D1-DCD9B4281E8B}"/>
+                <a16:creationId xmlns:a16="http://schemas.microsoft.com/office/drawing/2014/main" id="{41E35EBE-C448-4D39-83D1-DCD9B4281E8B}"/>
               </a:ext>
             </a:extLst>
           </p:cNvPr>
@@ -3151,28 +3150,221 @@
       </p:grpSpPr>
       <p:pic>
         <p:nvPicPr>
-          <p:cNvPr id="3" name="Imagem 2"/>
+          <p:cNvPr id="4" name="Imagem 3">
+            <a:extLst>
+              <a:ext uri="{FF2B5EF4-FFF2-40B4-BE49-F238E27FC236}">
+                <a16:creationId xmlns:a16="http://schemas.microsoft.com/office/drawing/2014/main" id="{E3B0B0A7-B548-432A-91AA-6B62A75ED76A}"/>
+              </a:ext>
+            </a:extLst>
+          </p:cNvPr>
           <p:cNvPicPr>
             <a:picLocks noChangeAspect="1"/>
           </p:cNvPicPr>
           <p:nvPr/>
         </p:nvPicPr>
         <p:blipFill>
-          <a:blip r:embed="rId2"/>
+          <a:blip r:embed="rId2">
+            <a:extLst>
+              <a:ext uri="{28A0092B-C50C-407E-A947-70E740481C1C}">
+                <a14:useLocalDpi xmlns:a14="http://schemas.microsoft.com/office/drawing/2010/main" val="0"/>
+              </a:ext>
+            </a:extLst>
+          </a:blip>
           <a:stretch>
             <a:fillRect/>
           </a:stretch>
         </p:blipFill>
         <p:spPr>
           <a:xfrm>
-            <a:off x="1621533" y="0"/>
-            <a:ext cx="8848725" cy="6858000"/>
+            <a:off x="2178241" y="848543"/>
+            <a:ext cx="4467849" cy="4915586"/>
           </a:xfrm>
           <a:prstGeom prst="rect">
             <a:avLst/>
           </a:prstGeom>
         </p:spPr>
       </p:pic>
+      <p:sp>
+        <p:nvSpPr>
+          <p:cNvPr id="5" name="CaixaDeTexto 4">
+            <a:extLst>
+              <a:ext uri="{FF2B5EF4-FFF2-40B4-BE49-F238E27FC236}">
+                <a16:creationId xmlns:a16="http://schemas.microsoft.com/office/drawing/2014/main" id="{540AE129-418D-4D59-9E78-B091A9997094}"/>
+              </a:ext>
+            </a:extLst>
+          </p:cNvPr>
+          <p:cNvSpPr txBox="1"/>
+          <p:nvPr/>
+        </p:nvSpPr>
+        <p:spPr>
+          <a:xfrm>
+            <a:off x="7040016" y="1391723"/>
+            <a:ext cx="4867102" cy="1200329"/>
+          </a:xfrm>
+          <a:prstGeom prst="rect">
+            <a:avLst/>
+          </a:prstGeom>
+          <a:solidFill>
+            <a:schemeClr val="bg2"/>
+          </a:solidFill>
+        </p:spPr>
+        <p:txBody>
+          <a:bodyPr wrap="none" rtlCol="0">
+            <a:spAutoFit/>
+          </a:bodyPr>
+          <a:lstStyle/>
+          <a:p>
+            <a:r>
+              <a:rPr lang="pt-BR" b="1" dirty="0"/>
+              <a:t>Realizar pedido</a:t>
+            </a:r>
+          </a:p>
+          <a:p>
+            <a:r>
+              <a:rPr lang="pt-BR" b="1" dirty="0"/>
+              <a:t>Evento: </a:t>
+            </a:r>
+            <a:r>
+              <a:rPr lang="pt-BR" dirty="0"/>
+              <a:t>Cliente recebe pedido</a:t>
+            </a:r>
+          </a:p>
+          <a:p>
+            <a:r>
+              <a:rPr lang="pt-BR" b="1" dirty="0"/>
+              <a:t>Objetivo:  </a:t>
+            </a:r>
+            <a:r>
+              <a:rPr lang="pt-BR" dirty="0"/>
+              <a:t>Cliente recebe produto(s) comprado(s)</a:t>
+            </a:r>
+            <a:endParaRPr lang="pt-BR" b="1" dirty="0"/>
+          </a:p>
+          <a:p>
+            <a:r>
+              <a:rPr lang="pt-BR" b="1" dirty="0"/>
+              <a:t>Trabalhadores Envolvidos: </a:t>
+            </a:r>
+            <a:r>
+              <a:rPr lang="pt-BR" dirty="0"/>
+              <a:t>Vendedor e Cliente</a:t>
+            </a:r>
+          </a:p>
+        </p:txBody>
+      </p:sp>
+      <p:sp>
+        <p:nvSpPr>
+          <p:cNvPr id="6" name="CaixaDeTexto 5">
+            <a:extLst>
+              <a:ext uri="{FF2B5EF4-FFF2-40B4-BE49-F238E27FC236}">
+                <a16:creationId xmlns:a16="http://schemas.microsoft.com/office/drawing/2014/main" id="{715ECE7B-F979-42F6-BC88-6928AEADEFCD}"/>
+              </a:ext>
+            </a:extLst>
+          </p:cNvPr>
+          <p:cNvSpPr txBox="1"/>
+          <p:nvPr/>
+        </p:nvSpPr>
+        <p:spPr>
+          <a:xfrm>
+            <a:off x="7040016" y="2619006"/>
+            <a:ext cx="4061637" cy="1754326"/>
+          </a:xfrm>
+          <a:prstGeom prst="rect">
+            <a:avLst/>
+          </a:prstGeom>
+          <a:noFill/>
+        </p:spPr>
+        <p:txBody>
+          <a:bodyPr wrap="square" rtlCol="0">
+            <a:spAutoFit/>
+          </a:bodyPr>
+          <a:lstStyle/>
+          <a:p>
+            <a:pPr marL="285750" indent="-285750">
+              <a:buFont typeface="Arial" panose="020B0604020202020204" pitchFamily="34" charset="0"/>
+              <a:buChar char="•"/>
+            </a:pPr>
+            <a:r>
+              <a:rPr lang="pt-BR" dirty="0"/>
+              <a:t>Vendedor verifica pedido(pedido) do cliente;</a:t>
+            </a:r>
+          </a:p>
+          <a:p>
+            <a:pPr marL="285750" indent="-285750">
+              <a:buFont typeface="Arial" panose="020B0604020202020204" pitchFamily="34" charset="0"/>
+              <a:buChar char="•"/>
+            </a:pPr>
+            <a:r>
+              <a:rPr lang="pt-BR" dirty="0"/>
+              <a:t>Vendedor entrega pedido para cliente;</a:t>
+            </a:r>
+          </a:p>
+          <a:p>
+            <a:pPr marL="285750" indent="-285750">
+              <a:buFont typeface="Arial" panose="020B0604020202020204" pitchFamily="34" charset="0"/>
+              <a:buChar char="•"/>
+            </a:pPr>
+            <a:r>
+              <a:rPr lang="pt-BR" dirty="0"/>
+              <a:t>Finaliza o  pedido do cliente com baixa no Pedido;</a:t>
+            </a:r>
+          </a:p>
+          <a:p>
+            <a:endParaRPr lang="pt-BR" dirty="0"/>
+          </a:p>
+        </p:txBody>
+      </p:sp>
+      <p:sp>
+        <p:nvSpPr>
+          <p:cNvPr id="7" name="Título 1">
+            <a:extLst>
+              <a:ext uri="{FF2B5EF4-FFF2-40B4-BE49-F238E27FC236}">
+                <a16:creationId xmlns:a16="http://schemas.microsoft.com/office/drawing/2014/main" id="{372122C9-4AE5-4FA8-808F-DB1E152241B7}"/>
+              </a:ext>
+            </a:extLst>
+          </p:cNvPr>
+          <p:cNvSpPr>
+            <a:spLocks noGrp="1"/>
+          </p:cNvSpPr>
+          <p:nvPr>
+            <p:ph type="title"/>
+          </p:nvPr>
+        </p:nvSpPr>
+        <p:spPr>
+          <a:xfrm>
+            <a:off x="7040016" y="546346"/>
+            <a:ext cx="4714301" cy="903656"/>
+          </a:xfrm>
+        </p:spPr>
+        <p:txBody>
+          <a:bodyPr anchor="b">
+            <a:normAutofit/>
+          </a:bodyPr>
+          <a:lstStyle/>
+          <a:p>
+            <a:r>
+              <a:rPr lang="pt-BR" sz="2400" b="1" dirty="0">
+                <a:latin typeface="Arial" panose="020B0604020202020204" pitchFamily="34" charset="0"/>
+                <a:cs typeface="Arial" panose="020B0604020202020204" pitchFamily="34" charset="0"/>
+              </a:rPr>
+              <a:t>Descrição dos</a:t>
+            </a:r>
+            <a:br>
+              <a:rPr lang="pt-BR" sz="2400" b="1" dirty="0">
+                <a:latin typeface="Arial" panose="020B0604020202020204" pitchFamily="34" charset="0"/>
+                <a:cs typeface="Arial" panose="020B0604020202020204" pitchFamily="34" charset="0"/>
+              </a:rPr>
+            </a:br>
+            <a:r>
+              <a:rPr lang="pt-BR" sz="2400" b="1" dirty="0">
+                <a:latin typeface="Arial" panose="020B0604020202020204" pitchFamily="34" charset="0"/>
+                <a:cs typeface="Arial" panose="020B0604020202020204" pitchFamily="34" charset="0"/>
+              </a:rPr>
+              <a:t>Processos de Negócio</a:t>
+            </a:r>
+          </a:p>
+        </p:txBody>
+      </p:sp>
     </p:spTree>
     <p:extLst>
       <p:ext uri="{BB962C8B-B14F-4D97-AF65-F5344CB8AC3E}">
@@ -3187,757 +3379,6 @@
 </file>
 
 <file path=ppt/slides/slide4.xml><?xml version="1.0" encoding="utf-8"?>
-<p:sld xmlns:a="http://schemas.openxmlformats.org/drawingml/2006/main" xmlns:r="http://schemas.openxmlformats.org/officeDocument/2006/relationships" xmlns:p="http://schemas.openxmlformats.org/presentationml/2006/main">
-  <p:cSld>
-    <p:spTree>
-      <p:nvGrpSpPr>
-        <p:cNvPr id="1" name=""/>
-        <p:cNvGrpSpPr/>
-        <p:nvPr/>
-      </p:nvGrpSpPr>
-      <p:grpSpPr>
-        <a:xfrm>
-          <a:off x="0" y="0"/>
-          <a:ext cx="0" cy="0"/>
-          <a:chOff x="0" y="0"/>
-          <a:chExt cx="0" cy="0"/>
-        </a:xfrm>
-      </p:grpSpPr>
-      <p:sp>
-        <p:nvSpPr>
-          <p:cNvPr id="5" name="CaixaDeTexto 4"/>
-          <p:cNvSpPr txBox="1"/>
-          <p:nvPr/>
-        </p:nvSpPr>
-        <p:spPr>
-          <a:xfrm>
-            <a:off x="1974225" y="2901355"/>
-            <a:ext cx="184731" cy="369332"/>
-          </a:xfrm>
-          <a:prstGeom prst="rect">
-            <a:avLst/>
-          </a:prstGeom>
-          <a:solidFill>
-            <a:schemeClr val="bg1"/>
-          </a:solidFill>
-        </p:spPr>
-        <p:txBody>
-          <a:bodyPr wrap="none" rtlCol="0">
-            <a:spAutoFit/>
-          </a:bodyPr>
-          <a:lstStyle/>
-          <a:p>
-            <a:endParaRPr lang="pt-BR" dirty="0"/>
-          </a:p>
-        </p:txBody>
-      </p:sp>
-      <p:sp>
-        <p:nvSpPr>
-          <p:cNvPr id="10" name="Oval 31"/>
-          <p:cNvSpPr>
-            <a:spLocks noChangeArrowheads="1"/>
-          </p:cNvSpPr>
-          <p:nvPr/>
-        </p:nvSpPr>
-        <p:spPr bwMode="auto">
-          <a:xfrm>
-            <a:off x="2606689" y="3605711"/>
-            <a:ext cx="1002110" cy="932791"/>
-          </a:xfrm>
-          <a:prstGeom prst="ellipse">
-            <a:avLst/>
-          </a:prstGeom>
-          <a:solidFill>
-            <a:srgbClr val="FF6600"/>
-          </a:solidFill>
-          <a:ln w="9525">
-            <a:solidFill>
-              <a:srgbClr val="000000"/>
-            </a:solidFill>
-            <a:round/>
-            <a:headEnd/>
-            <a:tailEnd/>
-          </a:ln>
-        </p:spPr>
-        <p:txBody>
-          <a:bodyPr tIns="108000"/>
-          <a:lstStyle/>
-          <a:p>
-            <a:pPr algn="ctr">
-              <a:spcBef>
-                <a:spcPct val="20000"/>
-              </a:spcBef>
-              <a:buClr>
-                <a:schemeClr val="bg2"/>
-              </a:buClr>
-              <a:buSzPct val="75000"/>
-            </a:pPr>
-            <a:r>
-              <a:rPr lang="pt-BR" sz="1200" dirty="0" smtClean="0"/>
-              <a:t>Receber pedido</a:t>
-            </a:r>
-            <a:endParaRPr lang="pt-BR" sz="1200" noProof="1">
-              <a:solidFill>
-                <a:schemeClr val="bg1"/>
-              </a:solidFill>
-            </a:endParaRPr>
-          </a:p>
-        </p:txBody>
-      </p:sp>
-      <p:grpSp>
-        <p:nvGrpSpPr>
-          <p:cNvPr id="25" name="Group 8"/>
-          <p:cNvGrpSpPr>
-            <a:grpSpLocks/>
-          </p:cNvGrpSpPr>
-          <p:nvPr/>
-        </p:nvGrpSpPr>
-        <p:grpSpPr bwMode="auto">
-          <a:xfrm>
-            <a:off x="6230697" y="4301268"/>
-            <a:ext cx="1434816" cy="412007"/>
-            <a:chOff x="3960" y="4910"/>
-            <a:chExt cx="1396" cy="428"/>
-          </a:xfrm>
-        </p:grpSpPr>
-        <p:sp>
-          <p:nvSpPr>
-            <p:cNvPr id="29" name="Rectangle 10"/>
-            <p:cNvSpPr>
-              <a:spLocks noChangeArrowheads="1"/>
-            </p:cNvSpPr>
-            <p:nvPr/>
-          </p:nvSpPr>
-          <p:spPr bwMode="auto">
-            <a:xfrm>
-              <a:off x="3960" y="4910"/>
-              <a:ext cx="179" cy="428"/>
-            </a:xfrm>
-            <a:prstGeom prst="rect">
-              <a:avLst/>
-            </a:prstGeom>
-            <a:solidFill>
-              <a:srgbClr val="FFFFFF"/>
-            </a:solidFill>
-            <a:ln w="9525">
-              <a:noFill/>
-              <a:miter lim="800000"/>
-              <a:headEnd/>
-              <a:tailEnd/>
-            </a:ln>
-          </p:spPr>
-          <p:txBody>
-            <a:bodyPr/>
-            <a:lstStyle/>
-            <a:p>
-              <a:endParaRPr lang="pt-BR" sz="1200"/>
-            </a:p>
-          </p:txBody>
-        </p:sp>
-        <p:sp>
-          <p:nvSpPr>
-            <p:cNvPr id="30" name="Rectangle 9"/>
-            <p:cNvSpPr>
-              <a:spLocks noChangeArrowheads="1"/>
-            </p:cNvSpPr>
-            <p:nvPr/>
-          </p:nvSpPr>
-          <p:spPr bwMode="auto">
-            <a:xfrm>
-              <a:off x="5177" y="4910"/>
-              <a:ext cx="179" cy="428"/>
-            </a:xfrm>
-            <a:prstGeom prst="rect">
-              <a:avLst/>
-            </a:prstGeom>
-            <a:solidFill>
-              <a:srgbClr val="FFFFFF"/>
-            </a:solidFill>
-            <a:ln w="9525">
-              <a:noFill/>
-              <a:miter lim="800000"/>
-              <a:headEnd/>
-              <a:tailEnd/>
-            </a:ln>
-          </p:spPr>
-          <p:txBody>
-            <a:bodyPr/>
-            <a:lstStyle/>
-            <a:p>
-              <a:endParaRPr lang="pt-BR" sz="1200"/>
-            </a:p>
-          </p:txBody>
-        </p:sp>
-      </p:grpSp>
-      <p:sp>
-        <p:nvSpPr>
-          <p:cNvPr id="32" name="Rectangle 32"/>
-          <p:cNvSpPr>
-            <a:spLocks noChangeArrowheads="1"/>
-          </p:cNvSpPr>
-          <p:nvPr/>
-        </p:nvSpPr>
-        <p:spPr bwMode="auto">
-          <a:xfrm>
-            <a:off x="802379" y="2639706"/>
-            <a:ext cx="926052" cy="519822"/>
-          </a:xfrm>
-          <a:prstGeom prst="rect">
-            <a:avLst/>
-          </a:prstGeom>
-          <a:solidFill>
-            <a:srgbClr val="CCFFFF"/>
-          </a:solidFill>
-          <a:ln w="9525">
-            <a:solidFill>
-              <a:srgbClr val="000000"/>
-            </a:solidFill>
-            <a:miter lim="800000"/>
-            <a:headEnd/>
-            <a:tailEnd/>
-          </a:ln>
-        </p:spPr>
-        <p:txBody>
-          <a:bodyPr tIns="108000"/>
-          <a:lstStyle/>
-          <a:p>
-            <a:pPr algn="ctr"/>
-            <a:r>
-              <a:rPr lang="pt-BR" sz="1200" dirty="0" smtClean="0">
-                <a:latin typeface="Verdana" pitchFamily="34" charset="0"/>
-                <a:ea typeface="Times New Roman" pitchFamily="18" charset="0"/>
-                <a:cs typeface="Arial" charset="0"/>
-              </a:rPr>
-              <a:t>Vendedor</a:t>
-            </a:r>
-            <a:endParaRPr lang="pt-BR" sz="1200" dirty="0">
-              <a:ea typeface="Times New Roman" pitchFamily="18" charset="0"/>
-              <a:cs typeface="Arial" charset="0"/>
-            </a:endParaRPr>
-          </a:p>
-        </p:txBody>
-      </p:sp>
-      <p:grpSp>
-        <p:nvGrpSpPr>
-          <p:cNvPr id="36" name="Grupo 35"/>
-          <p:cNvGrpSpPr/>
-          <p:nvPr/>
-        </p:nvGrpSpPr>
-        <p:grpSpPr>
-          <a:xfrm>
-            <a:off x="856750" y="3154106"/>
-            <a:ext cx="1719107" cy="875163"/>
-            <a:chOff x="3203848" y="4474557"/>
-            <a:chExt cx="1085375" cy="813424"/>
-          </a:xfrm>
-        </p:grpSpPr>
-        <p:cxnSp>
-          <p:nvCxnSpPr>
-            <p:cNvPr id="38" name="AutoShape 13"/>
-            <p:cNvCxnSpPr>
-              <a:cxnSpLocks noChangeShapeType="1"/>
-            </p:cNvCxnSpPr>
-            <p:nvPr/>
-          </p:nvCxnSpPr>
-          <p:spPr bwMode="auto">
-            <a:xfrm rot="10800000">
-              <a:off x="3642735" y="4474557"/>
-              <a:ext cx="646488" cy="813424"/>
-            </a:xfrm>
-            <a:prstGeom prst="curvedConnector2">
-              <a:avLst/>
-            </a:prstGeom>
-            <a:noFill/>
-            <a:ln w="9525">
-              <a:solidFill>
-                <a:srgbClr val="000000"/>
-              </a:solidFill>
-              <a:round/>
-              <a:headEnd/>
-              <a:tailEnd type="triangle" w="med" len="med"/>
-            </a:ln>
-          </p:spPr>
-        </p:cxnSp>
-        <p:sp>
-          <p:nvSpPr>
-            <p:cNvPr id="39" name="Text Box 12"/>
-            <p:cNvSpPr txBox="1">
-              <a:spLocks noChangeArrowheads="1"/>
-            </p:cNvSpPr>
-            <p:nvPr/>
-          </p:nvSpPr>
-          <p:spPr bwMode="auto">
-            <a:xfrm>
-              <a:off x="3203848" y="4747942"/>
-              <a:ext cx="847938" cy="389298"/>
-            </a:xfrm>
-            <a:prstGeom prst="rect">
-              <a:avLst/>
-            </a:prstGeom>
-            <a:solidFill>
-              <a:srgbClr val="FFFFFF"/>
-            </a:solidFill>
-            <a:ln w="9525">
-              <a:noFill/>
-              <a:miter lim="800000"/>
-              <a:headEnd/>
-              <a:tailEnd/>
-            </a:ln>
-          </p:spPr>
-          <p:txBody>
-            <a:bodyPr wrap="none" lIns="0" tIns="0" rIns="0" bIns="0"/>
-            <a:lstStyle/>
-            <a:p>
-              <a:pPr algn="ctr"/>
-              <a:r>
-                <a:rPr lang="pt-BR" sz="1200" dirty="0" smtClean="0">
-                  <a:latin typeface="Verdana" pitchFamily="34" charset="0"/>
-                  <a:cs typeface="Arial" charset="0"/>
-                </a:rPr>
-                <a:t>Vendedor entrega pedido</a:t>
-              </a:r>
-              <a:endParaRPr lang="pt-BR" sz="1200" dirty="0">
-                <a:cs typeface="Arial" charset="0"/>
-              </a:endParaRPr>
-            </a:p>
-          </p:txBody>
-        </p:sp>
-      </p:grpSp>
-      <p:sp>
-        <p:nvSpPr>
-          <p:cNvPr id="2" name="CaixaDeTexto 1">
-            <a:extLst>
-              <a:ext uri="{FF2B5EF4-FFF2-40B4-BE49-F238E27FC236}">
-                <a16:creationId xmlns:a16="http://schemas.microsoft.com/office/drawing/2014/main" xmlns="" id="{A6FC0499-E96B-4A57-A7DB-FD3AD7FFD1ED}"/>
-              </a:ext>
-            </a:extLst>
-          </p:cNvPr>
-          <p:cNvSpPr txBox="1"/>
-          <p:nvPr/>
-        </p:nvSpPr>
-        <p:spPr>
-          <a:xfrm>
-            <a:off x="1156372" y="536509"/>
-            <a:ext cx="817853" cy="461665"/>
-          </a:xfrm>
-          <a:prstGeom prst="rect">
-            <a:avLst/>
-          </a:prstGeom>
-          <a:noFill/>
-        </p:spPr>
-        <p:txBody>
-          <a:bodyPr wrap="none" rtlCol="0">
-            <a:spAutoFit/>
-          </a:bodyPr>
-          <a:lstStyle/>
-          <a:p>
-            <a:r>
-              <a:rPr lang="pt-BR" sz="2400" b="1" dirty="0">
-                <a:latin typeface="Arial" panose="020B0604020202020204" pitchFamily="34" charset="0"/>
-                <a:cs typeface="Arial" panose="020B0604020202020204" pitchFamily="34" charset="0"/>
-              </a:rPr>
-              <a:t>DFD</a:t>
-            </a:r>
-          </a:p>
-        </p:txBody>
-      </p:sp>
-      <p:sp>
-        <p:nvSpPr>
-          <p:cNvPr id="33" name="CaixaDeTexto 32">
-            <a:extLst>
-              <a:ext uri="{FF2B5EF4-FFF2-40B4-BE49-F238E27FC236}">
-                <a16:creationId xmlns:a16="http://schemas.microsoft.com/office/drawing/2014/main" xmlns="" id="{9027796C-0961-46D1-8725-3389D2548B9E}"/>
-              </a:ext>
-            </a:extLst>
-          </p:cNvPr>
-          <p:cNvSpPr txBox="1"/>
-          <p:nvPr/>
-        </p:nvSpPr>
-        <p:spPr>
-          <a:xfrm>
-            <a:off x="7040016" y="1391723"/>
-            <a:ext cx="4867102" cy="1200329"/>
-          </a:xfrm>
-          <a:prstGeom prst="rect">
-            <a:avLst/>
-          </a:prstGeom>
-          <a:solidFill>
-            <a:schemeClr val="bg2"/>
-          </a:solidFill>
-        </p:spPr>
-        <p:txBody>
-          <a:bodyPr wrap="none" rtlCol="0">
-            <a:spAutoFit/>
-          </a:bodyPr>
-          <a:lstStyle/>
-          <a:p>
-            <a:r>
-              <a:rPr lang="pt-BR" b="1" dirty="0" smtClean="0"/>
-              <a:t>Realizar pedido</a:t>
-            </a:r>
-            <a:endParaRPr lang="pt-BR" b="1" dirty="0"/>
-          </a:p>
-          <a:p>
-            <a:r>
-              <a:rPr lang="pt-BR" b="1" dirty="0"/>
-              <a:t>Evento: </a:t>
-            </a:r>
-            <a:r>
-              <a:rPr lang="pt-BR" dirty="0" smtClean="0"/>
-              <a:t>Cliente recebe pedido</a:t>
-            </a:r>
-            <a:endParaRPr lang="pt-BR" dirty="0"/>
-          </a:p>
-          <a:p>
-            <a:r>
-              <a:rPr lang="pt-BR" b="1" dirty="0"/>
-              <a:t>Objetivo:  </a:t>
-            </a:r>
-            <a:r>
-              <a:rPr lang="pt-BR" dirty="0" smtClean="0"/>
-              <a:t>Cliente recebe produto(s) comprado(s)</a:t>
-            </a:r>
-            <a:endParaRPr lang="pt-BR" b="1" dirty="0"/>
-          </a:p>
-          <a:p>
-            <a:r>
-              <a:rPr lang="pt-BR" b="1" dirty="0"/>
-              <a:t>Trabalhadores Envolvidos: </a:t>
-            </a:r>
-            <a:r>
-              <a:rPr lang="pt-BR" dirty="0" smtClean="0"/>
-              <a:t>Vendedor e Cliente</a:t>
-            </a:r>
-            <a:endParaRPr lang="pt-BR" dirty="0"/>
-          </a:p>
-        </p:txBody>
-      </p:sp>
-      <p:sp>
-        <p:nvSpPr>
-          <p:cNvPr id="34" name="CaixaDeTexto 33">
-            <a:extLst>
-              <a:ext uri="{FF2B5EF4-FFF2-40B4-BE49-F238E27FC236}">
-                <a16:creationId xmlns:a16="http://schemas.microsoft.com/office/drawing/2014/main" xmlns="" id="{282A129C-45E2-42BD-ABC7-4E156E9B89CA}"/>
-              </a:ext>
-            </a:extLst>
-          </p:cNvPr>
-          <p:cNvSpPr txBox="1"/>
-          <p:nvPr/>
-        </p:nvSpPr>
-        <p:spPr>
-          <a:xfrm>
-            <a:off x="7040016" y="2619006"/>
-            <a:ext cx="4061637" cy="1754326"/>
-          </a:xfrm>
-          <a:prstGeom prst="rect">
-            <a:avLst/>
-          </a:prstGeom>
-          <a:noFill/>
-        </p:spPr>
-        <p:txBody>
-          <a:bodyPr wrap="square" rtlCol="0">
-            <a:spAutoFit/>
-          </a:bodyPr>
-          <a:lstStyle/>
-          <a:p>
-            <a:pPr marL="285750" indent="-285750">
-              <a:buFont typeface="Arial" panose="020B0604020202020204" pitchFamily="34" charset="0"/>
-              <a:buChar char="•"/>
-            </a:pPr>
-            <a:r>
-              <a:rPr lang="pt-BR" dirty="0"/>
-              <a:t>Vendedor verifica pedido(pedido) do cliente</a:t>
-            </a:r>
-            <a:r>
-              <a:rPr lang="pt-BR" dirty="0" smtClean="0"/>
-              <a:t>;</a:t>
-            </a:r>
-            <a:endParaRPr lang="pt-BR" dirty="0"/>
-          </a:p>
-          <a:p>
-            <a:pPr marL="285750" indent="-285750">
-              <a:buFont typeface="Arial" panose="020B0604020202020204" pitchFamily="34" charset="0"/>
-              <a:buChar char="•"/>
-            </a:pPr>
-            <a:r>
-              <a:rPr lang="pt-BR" dirty="0"/>
-              <a:t>Vendedor </a:t>
-            </a:r>
-            <a:r>
-              <a:rPr lang="pt-BR" dirty="0" smtClean="0"/>
-              <a:t>entrega pedido para cliente;</a:t>
-            </a:r>
-          </a:p>
-          <a:p>
-            <a:pPr marL="285750" indent="-285750">
-              <a:buFont typeface="Arial" panose="020B0604020202020204" pitchFamily="34" charset="0"/>
-              <a:buChar char="•"/>
-            </a:pPr>
-            <a:r>
-              <a:rPr lang="pt-BR" dirty="0" smtClean="0"/>
-              <a:t>Finaliza </a:t>
-            </a:r>
-            <a:r>
-              <a:rPr lang="pt-BR" dirty="0"/>
-              <a:t>o  pedido do cliente </a:t>
-            </a:r>
-            <a:r>
-              <a:rPr lang="pt-BR" dirty="0" smtClean="0"/>
-              <a:t>com baixa no Pedido;</a:t>
-            </a:r>
-            <a:endParaRPr lang="pt-BR" dirty="0"/>
-          </a:p>
-          <a:p>
-            <a:endParaRPr lang="pt-BR" dirty="0"/>
-          </a:p>
-        </p:txBody>
-      </p:sp>
-      <p:sp>
-        <p:nvSpPr>
-          <p:cNvPr id="35" name="Título 1">
-            <a:extLst>
-              <a:ext uri="{FF2B5EF4-FFF2-40B4-BE49-F238E27FC236}">
-                <a16:creationId xmlns:a16="http://schemas.microsoft.com/office/drawing/2014/main" xmlns="" id="{77CE2ED0-3A26-43BD-8017-2D08C9C12598}"/>
-              </a:ext>
-            </a:extLst>
-          </p:cNvPr>
-          <p:cNvSpPr>
-            <a:spLocks noGrp="1"/>
-          </p:cNvSpPr>
-          <p:nvPr>
-            <p:ph type="title"/>
-          </p:nvPr>
-        </p:nvSpPr>
-        <p:spPr>
-          <a:xfrm>
-            <a:off x="7078555" y="536509"/>
-            <a:ext cx="4714301" cy="903656"/>
-          </a:xfrm>
-        </p:spPr>
-        <p:txBody>
-          <a:bodyPr anchor="b">
-            <a:normAutofit/>
-          </a:bodyPr>
-          <a:lstStyle/>
-          <a:p>
-            <a:r>
-              <a:rPr lang="pt-BR" sz="2400" b="1" dirty="0">
-                <a:latin typeface="Arial" panose="020B0604020202020204" pitchFamily="34" charset="0"/>
-                <a:cs typeface="Arial" panose="020B0604020202020204" pitchFamily="34" charset="0"/>
-              </a:rPr>
-              <a:t>Descrição dos</a:t>
-            </a:r>
-            <a:br>
-              <a:rPr lang="pt-BR" sz="2400" b="1" dirty="0">
-                <a:latin typeface="Arial" panose="020B0604020202020204" pitchFamily="34" charset="0"/>
-                <a:cs typeface="Arial" panose="020B0604020202020204" pitchFamily="34" charset="0"/>
-              </a:rPr>
-            </a:br>
-            <a:r>
-              <a:rPr lang="pt-BR" sz="2400" b="1" dirty="0">
-                <a:latin typeface="Arial" panose="020B0604020202020204" pitchFamily="34" charset="0"/>
-                <a:cs typeface="Arial" panose="020B0604020202020204" pitchFamily="34" charset="0"/>
-              </a:rPr>
-              <a:t>Processos de Negócio</a:t>
-            </a:r>
-          </a:p>
-        </p:txBody>
-      </p:sp>
-      <p:grpSp>
-        <p:nvGrpSpPr>
-          <p:cNvPr id="37" name="Grupo 36"/>
-          <p:cNvGrpSpPr/>
-          <p:nvPr/>
-        </p:nvGrpSpPr>
-        <p:grpSpPr>
-          <a:xfrm>
-            <a:off x="2308920" y="4301269"/>
-            <a:ext cx="3634319" cy="1202303"/>
-            <a:chOff x="3690014" y="5467057"/>
-            <a:chExt cx="3634319" cy="1202303"/>
-          </a:xfrm>
-        </p:grpSpPr>
-        <p:grpSp>
-          <p:nvGrpSpPr>
-            <p:cNvPr id="40" name="Group 25"/>
-            <p:cNvGrpSpPr>
-              <a:grpSpLocks/>
-            </p:cNvGrpSpPr>
-            <p:nvPr/>
-          </p:nvGrpSpPr>
-          <p:grpSpPr bwMode="auto">
-            <a:xfrm>
-              <a:off x="3690014" y="6084079"/>
-              <a:ext cx="3634319" cy="585281"/>
-              <a:chOff x="5177" y="4730"/>
-              <a:chExt cx="3536" cy="608"/>
-            </a:xfrm>
-          </p:grpSpPr>
-          <p:sp>
-            <p:nvSpPr>
-              <p:cNvPr id="42" name="Rectangle 28"/>
-              <p:cNvSpPr>
-                <a:spLocks noChangeArrowheads="1"/>
-              </p:cNvSpPr>
-              <p:nvPr/>
-            </p:nvSpPr>
-            <p:spPr bwMode="auto">
-              <a:xfrm>
-                <a:off x="7633" y="4730"/>
-                <a:ext cx="1080" cy="360"/>
-              </a:xfrm>
-              <a:prstGeom prst="rect">
-                <a:avLst/>
-              </a:prstGeom>
-              <a:solidFill>
-                <a:srgbClr val="99CC00"/>
-              </a:solidFill>
-              <a:ln w="9525">
-                <a:solidFill>
-                  <a:srgbClr val="000000"/>
-                </a:solidFill>
-                <a:miter lim="800000"/>
-                <a:headEnd/>
-                <a:tailEnd/>
-              </a:ln>
-            </p:spPr>
-            <p:txBody>
-              <a:bodyPr tIns="72000"/>
-              <a:lstStyle/>
-              <a:p>
-                <a:pPr algn="ctr"/>
-                <a:r>
-                  <a:rPr lang="pt-BR" sz="1200" dirty="0">
-                    <a:latin typeface="Verdana" pitchFamily="34" charset="0"/>
-                    <a:ea typeface="Times New Roman" pitchFamily="18" charset="0"/>
-                    <a:cs typeface="Arial" charset="0"/>
-                  </a:rPr>
-                  <a:t>Pedido</a:t>
-                </a:r>
-                <a:endParaRPr lang="pt-BR" sz="1200" dirty="0">
-                  <a:ea typeface="Times New Roman" pitchFamily="18" charset="0"/>
-                  <a:cs typeface="Arial" charset="0"/>
-                </a:endParaRPr>
-              </a:p>
-            </p:txBody>
-          </p:sp>
-          <p:sp>
-            <p:nvSpPr>
-              <p:cNvPr id="44" name="Rectangle 26"/>
-              <p:cNvSpPr>
-                <a:spLocks noChangeArrowheads="1"/>
-              </p:cNvSpPr>
-              <p:nvPr/>
-            </p:nvSpPr>
-            <p:spPr bwMode="auto">
-              <a:xfrm>
-                <a:off x="5177" y="4910"/>
-                <a:ext cx="179" cy="428"/>
-              </a:xfrm>
-              <a:prstGeom prst="rect">
-                <a:avLst/>
-              </a:prstGeom>
-              <a:solidFill>
-                <a:srgbClr val="FFFFFF"/>
-              </a:solidFill>
-              <a:ln w="9525">
-                <a:noFill/>
-                <a:miter lim="800000"/>
-                <a:headEnd/>
-                <a:tailEnd/>
-              </a:ln>
-            </p:spPr>
-            <p:txBody>
-              <a:bodyPr/>
-              <a:lstStyle/>
-              <a:p>
-                <a:endParaRPr lang="pt-BR" sz="1200"/>
-              </a:p>
-            </p:txBody>
-          </p:sp>
-        </p:grpSp>
-        <p:cxnSp>
-          <p:nvCxnSpPr>
-            <p:cNvPr id="41" name="AutoShape 24"/>
-            <p:cNvCxnSpPr>
-              <a:cxnSpLocks noChangeShapeType="1"/>
-              <a:stCxn id="42" idx="0"/>
-              <a:endCxn id="10" idx="5"/>
-            </p:cNvCxnSpPr>
-            <p:nvPr/>
-          </p:nvCxnSpPr>
-          <p:spPr bwMode="auto">
-            <a:xfrm rot="16200000" flipV="1">
-              <a:off x="5525678" y="4840438"/>
-              <a:ext cx="617022" cy="1870259"/>
-            </a:xfrm>
-            <a:prstGeom prst="curvedConnector3">
-              <a:avLst>
-                <a:gd name="adj1" fmla="val 50000"/>
-              </a:avLst>
-            </a:prstGeom>
-            <a:noFill/>
-            <a:ln w="9525">
-              <a:solidFill>
-                <a:srgbClr val="000000"/>
-              </a:solidFill>
-              <a:round/>
-              <a:headEnd type="triangle" w="med" len="med"/>
-              <a:tailEnd type="triangle" w="med" len="med"/>
-            </a:ln>
-          </p:spPr>
-        </p:cxnSp>
-      </p:grpSp>
-      <p:cxnSp>
-        <p:nvCxnSpPr>
-          <p:cNvPr id="19" name="Conector em curva 18"/>
-          <p:cNvCxnSpPr>
-            <a:stCxn id="32" idx="3"/>
-            <a:endCxn id="10" idx="7"/>
-          </p:cNvCxnSpPr>
-          <p:nvPr/>
-        </p:nvCxnSpPr>
-        <p:spPr>
-          <a:xfrm>
-            <a:off x="1728431" y="2899617"/>
-            <a:ext cx="1733612" cy="842698"/>
-          </a:xfrm>
-          <a:prstGeom prst="curvedConnector2">
-            <a:avLst/>
-          </a:prstGeom>
-          <a:ln>
-            <a:tailEnd type="triangle"/>
-          </a:ln>
-        </p:spPr>
-        <p:style>
-          <a:lnRef idx="1">
-            <a:schemeClr val="dk1"/>
-          </a:lnRef>
-          <a:fillRef idx="0">
-            <a:schemeClr val="dk1"/>
-          </a:fillRef>
-          <a:effectRef idx="0">
-            <a:schemeClr val="dk1"/>
-          </a:effectRef>
-          <a:fontRef idx="minor">
-            <a:schemeClr val="tx1"/>
-          </a:fontRef>
-        </p:style>
-      </p:cxnSp>
-    </p:spTree>
-    <p:extLst>
-      <p:ext uri="{BB962C8B-B14F-4D97-AF65-F5344CB8AC3E}">
-        <p14:creationId xmlns:p14="http://schemas.microsoft.com/office/powerpoint/2010/main" val="3987796144"/>
-      </p:ext>
-    </p:extLst>
-  </p:cSld>
-  <p:clrMapOvr>
-    <a:masterClrMapping/>
-  </p:clrMapOvr>
-</p:sld>
-</file>
-
-<file path=ppt/slides/slide5.xml><?xml version="1.0" encoding="utf-8"?>
 <p:sld xmlns:a="http://schemas.openxmlformats.org/drawingml/2006/main" xmlns:r="http://schemas.openxmlformats.org/officeDocument/2006/relationships" xmlns:p="http://schemas.openxmlformats.org/presentationml/2006/main">
   <p:cSld>
     <p:spTree>
@@ -4023,7 +3464,7 @@
 </p:sld>
 </file>
 
-<file path=ppt/slides/slide6.xml><?xml version="1.0" encoding="utf-8"?>
+<file path=ppt/slides/slide5.xml><?xml version="1.0" encoding="utf-8"?>
 <p:sld xmlns:a="http://schemas.openxmlformats.org/drawingml/2006/main" xmlns:r="http://schemas.openxmlformats.org/officeDocument/2006/relationships" xmlns:p="http://schemas.openxmlformats.org/presentationml/2006/main">
   <p:cSld>
     <p:spTree>
@@ -4063,16 +3504,12 @@
           <a:lstStyle/>
           <a:p>
             <a:r>
-              <a:rPr lang="pt-BR" b="1" dirty="0" smtClean="0">
+              <a:rPr lang="pt-BR" b="1" dirty="0">
                 <a:latin typeface="Arial" panose="020B0604020202020204" pitchFamily="34" charset="0"/>
                 <a:cs typeface="Arial" panose="020B0604020202020204" pitchFamily="34" charset="0"/>
               </a:rPr>
               <a:t>Modelo conceitual</a:t>
             </a:r>
-            <a:endParaRPr lang="pt-BR" b="1" dirty="0">
-              <a:latin typeface="Arial" panose="020B0604020202020204" pitchFamily="34" charset="0"/>
-              <a:cs typeface="Arial" panose="020B0604020202020204" pitchFamily="34" charset="0"/>
-            </a:endParaRPr>
           </a:p>
         </p:txBody>
       </p:sp>
@@ -4081,7 +3518,7 @@
           <p:cNvPr id="8" name="Imagem 7">
             <a:extLst>
               <a:ext uri="{FF2B5EF4-FFF2-40B4-BE49-F238E27FC236}">
-                <a16:creationId xmlns:a16="http://schemas.microsoft.com/office/drawing/2014/main" xmlns="" id="{6D1FB8D8-EAA5-44F2-99FE-95BE44BAB74C}"/>
+                <a16:creationId xmlns:a16="http://schemas.microsoft.com/office/drawing/2014/main" id="{6D1FB8D8-EAA5-44F2-99FE-95BE44BAB74C}"/>
               </a:ext>
             </a:extLst>
           </p:cNvPr>
@@ -4125,7 +3562,7 @@
 </p:sld>
 </file>
 
-<file path=ppt/slides/slide7.xml><?xml version="1.0" encoding="utf-8"?>
+<file path=ppt/slides/slide6.xml><?xml version="1.0" encoding="utf-8"?>
 <p:sld xmlns:a="http://schemas.openxmlformats.org/drawingml/2006/main" xmlns:r="http://schemas.openxmlformats.org/officeDocument/2006/relationships" xmlns:p="http://schemas.openxmlformats.org/presentationml/2006/main">
   <p:cSld>
     <p:spTree>
@@ -4170,14 +3607,14 @@
                 <a:gridCol w="4064000">
                   <a:extLst>
                     <a:ext uri="{9D8B030D-6E8A-4147-A177-3AD203B41FA5}">
-                      <a16:colId xmlns:a16="http://schemas.microsoft.com/office/drawing/2014/main" xmlns="" val="20000"/>
+                      <a16:colId xmlns:a16="http://schemas.microsoft.com/office/drawing/2014/main" val="20000"/>
                     </a:ext>
                   </a:extLst>
                 </a:gridCol>
                 <a:gridCol w="4064000">
                   <a:extLst>
                     <a:ext uri="{9D8B030D-6E8A-4147-A177-3AD203B41FA5}">
-                      <a16:colId xmlns:a16="http://schemas.microsoft.com/office/drawing/2014/main" xmlns="" val="20001"/>
+                      <a16:colId xmlns:a16="http://schemas.microsoft.com/office/drawing/2014/main" val="20001"/>
                     </a:ext>
                   </a:extLst>
                 </a:gridCol>
@@ -4212,7 +3649,7 @@
                 </a:tc>
                 <a:extLst>
                   <a:ext uri="{0D108BD9-81ED-4DB2-BD59-A6C34878D82A}">
-                    <a16:rowId xmlns:a16="http://schemas.microsoft.com/office/drawing/2014/main" xmlns="" val="10000"/>
+                    <a16:rowId xmlns:a16="http://schemas.microsoft.com/office/drawing/2014/main" val="10000"/>
                   </a:ext>
                 </a:extLst>
               </a:tr>
@@ -4246,11 +3683,7 @@
                       </a:r>
                       <a:r>
                         <a:rPr lang="pt-BR" baseline="0" dirty="0"/>
-                        <a:t> quando solicitado pelo vendedor, deve permitir que o pedido possa ser </a:t>
-                      </a:r>
-                      <a:r>
-                        <a:rPr lang="pt-BR" baseline="0" dirty="0" smtClean="0"/>
-                        <a:t>verificado pelo Vendedor.</a:t>
+                        <a:t> quando solicitado pelo vendedor, deve permitir que o pedido possa ser verificado pelo Vendedor.</a:t>
                       </a:r>
                       <a:endParaRPr lang="pt-BR" dirty="0"/>
                     </a:p>
@@ -4259,7 +3692,7 @@
                 </a:tc>
                 <a:extLst>
                   <a:ext uri="{0D108BD9-81ED-4DB2-BD59-A6C34878D82A}">
-                    <a16:rowId xmlns:a16="http://schemas.microsoft.com/office/drawing/2014/main" xmlns="" val="10001"/>
+                    <a16:rowId xmlns:a16="http://schemas.microsoft.com/office/drawing/2014/main" val="10001"/>
                   </a:ext>
                 </a:extLst>
               </a:tr>
@@ -4289,23 +3722,11 @@
                     <a:p>
                       <a:r>
                         <a:rPr lang="pt-BR" dirty="0"/>
-                        <a:t>O sistema, após o pedido ser </a:t>
-                      </a:r>
-                      <a:r>
-                        <a:rPr lang="pt-BR" dirty="0" smtClean="0"/>
-                        <a:t>verificado, </a:t>
-                      </a:r>
-                      <a:r>
-                        <a:rPr lang="pt-BR" dirty="0"/>
-                        <a:t>deve</a:t>
+                        <a:t>O sistema, após o pedido ser verificado, deve</a:t>
                       </a:r>
                       <a:r>
                         <a:rPr lang="pt-BR" baseline="0" dirty="0"/>
-                        <a:t> </a:t>
-                      </a:r>
-                      <a:r>
-                        <a:rPr lang="pt-BR" baseline="0" dirty="0" smtClean="0"/>
-                        <a:t>entregar o pedido ao Cliente.</a:t>
+                        <a:t> entregar o pedido ao Cliente.</a:t>
                       </a:r>
                       <a:endParaRPr lang="pt-BR" dirty="0"/>
                     </a:p>
@@ -4314,7 +3735,7 @@
                 </a:tc>
                 <a:extLst>
                   <a:ext uri="{0D108BD9-81ED-4DB2-BD59-A6C34878D82A}">
-                    <a16:rowId xmlns:a16="http://schemas.microsoft.com/office/drawing/2014/main" xmlns="" val="10002"/>
+                    <a16:rowId xmlns:a16="http://schemas.microsoft.com/office/drawing/2014/main" val="10002"/>
                   </a:ext>
                 </a:extLst>
               </a:tr>
@@ -4367,7 +3788,7 @@
 </p:sld>
 </file>
 
-<file path=ppt/slides/slide8.xml><?xml version="1.0" encoding="utf-8"?>
+<file path=ppt/slides/slide7.xml><?xml version="1.0" encoding="utf-8"?>
 <p:sld xmlns:a="http://schemas.openxmlformats.org/drawingml/2006/main" xmlns:r="http://schemas.openxmlformats.org/officeDocument/2006/relationships" xmlns:p="http://schemas.openxmlformats.org/presentationml/2006/main">
   <p:cSld>
     <p:spTree>
@@ -4412,14 +3833,14 @@
                 <a:gridCol w="4064000">
                   <a:extLst>
                     <a:ext uri="{9D8B030D-6E8A-4147-A177-3AD203B41FA5}">
-                      <a16:colId xmlns:a16="http://schemas.microsoft.com/office/drawing/2014/main" xmlns="" val="20000"/>
+                      <a16:colId xmlns:a16="http://schemas.microsoft.com/office/drawing/2014/main" val="20000"/>
                     </a:ext>
                   </a:extLst>
                 </a:gridCol>
                 <a:gridCol w="4064000">
                   <a:extLst>
                     <a:ext uri="{9D8B030D-6E8A-4147-A177-3AD203B41FA5}">
-                      <a16:colId xmlns:a16="http://schemas.microsoft.com/office/drawing/2014/main" xmlns="" val="20001"/>
+                      <a16:colId xmlns:a16="http://schemas.microsoft.com/office/drawing/2014/main" val="20001"/>
                     </a:ext>
                   </a:extLst>
                 </a:gridCol>
@@ -4453,7 +3874,7 @@
                 </a:tc>
                 <a:extLst>
                   <a:ext uri="{0D108BD9-81ED-4DB2-BD59-A6C34878D82A}">
-                    <a16:rowId xmlns:a16="http://schemas.microsoft.com/office/drawing/2014/main" xmlns="" val="10000"/>
+                    <a16:rowId xmlns:a16="http://schemas.microsoft.com/office/drawing/2014/main" val="10000"/>
                   </a:ext>
                 </a:extLst>
               </a:tr>
@@ -4486,7 +3907,7 @@
                 </a:tc>
                 <a:extLst>
                   <a:ext uri="{0D108BD9-81ED-4DB2-BD59-A6C34878D82A}">
-                    <a16:rowId xmlns:a16="http://schemas.microsoft.com/office/drawing/2014/main" xmlns="" val="10001"/>
+                    <a16:rowId xmlns:a16="http://schemas.microsoft.com/office/drawing/2014/main" val="10001"/>
                   </a:ext>
                 </a:extLst>
               </a:tr>
@@ -4519,7 +3940,7 @@
                 </a:tc>
                 <a:extLst>
                   <a:ext uri="{0D108BD9-81ED-4DB2-BD59-A6C34878D82A}">
-                    <a16:rowId xmlns:a16="http://schemas.microsoft.com/office/drawing/2014/main" xmlns="" val="10002"/>
+                    <a16:rowId xmlns:a16="http://schemas.microsoft.com/office/drawing/2014/main" val="10002"/>
                   </a:ext>
                 </a:extLst>
               </a:tr>
